--- a/DeeperDESeqWithShrinkage.pptx
+++ b/DeeperDESeqWithShrinkage.pptx
@@ -5,7 +5,7 @@
     <p:sldMasterId id="2147483648" r:id="rId1"/>
   </p:sldMasterIdLst>
   <p:notesMasterIdLst>
-    <p:notesMasterId r:id="rId29"/>
+    <p:notesMasterId r:id="rId30"/>
   </p:notesMasterIdLst>
   <p:sldIdLst>
     <p:sldId id="256" r:id="rId2"/>
@@ -32,9 +32,10 @@
     <p:sldId id="270" r:id="rId23"/>
     <p:sldId id="271" r:id="rId24"/>
     <p:sldId id="275" r:id="rId25"/>
-    <p:sldId id="279" r:id="rId26"/>
-    <p:sldId id="280" r:id="rId27"/>
-    <p:sldId id="285" r:id="rId28"/>
+    <p:sldId id="276" r:id="rId26"/>
+    <p:sldId id="279" r:id="rId27"/>
+    <p:sldId id="280" r:id="rId28"/>
+    <p:sldId id="285" r:id="rId29"/>
   </p:sldIdLst>
   <p:sldSz cx="12192000" cy="6858000"/>
   <p:notesSz cx="6858000" cy="9144000"/>
@@ -223,7 +224,7 @@
           <a:p>
             <a:fld id="{CE795AB4-E347-D74B-91EF-79B14783F6EE}" type="datetimeFigureOut">
               <a:rPr lang="en-US" smtClean="0"/>
-              <a:t>7/15/25</a:t>
+              <a:t>7/16/25</a:t>
             </a:fld>
             <a:endParaRPr lang="en-US"/>
           </a:p>
@@ -639,7 +640,7 @@
           <a:p>
             <a:fld id="{8B4412F0-8FCF-9145-83AF-86463C3384BB}" type="slidenum">
               <a:rPr lang="en-US" smtClean="0"/>
-              <a:t>24</a:t>
+              <a:t>25</a:t>
             </a:fld>
             <a:endParaRPr lang="en-US"/>
           </a:p>
@@ -747,7 +748,7 @@
           <a:p>
             <a:fld id="{8B4412F0-8FCF-9145-83AF-86463C3384BB}" type="slidenum">
               <a:rPr lang="en-US" smtClean="0"/>
-              <a:t>26</a:t>
+              <a:t>27</a:t>
             </a:fld>
             <a:endParaRPr lang="en-US"/>
           </a:p>
@@ -943,7 +944,7 @@
           <a:p>
             <a:fld id="{0A065C5F-3D9E-9A42-A321-C1127711531E}" type="datetime1">
               <a:rPr lang="en-US" smtClean="0"/>
-              <a:t>7/15/25</a:t>
+              <a:t>7/16/25</a:t>
             </a:fld>
             <a:endParaRPr lang="en-US" dirty="0"/>
           </a:p>
@@ -1175,7 +1176,7 @@
           <a:p>
             <a:fld id="{B22C8C0D-3B0B-DD46-9C67-3EAD1F01ADA2}" type="datetime1">
               <a:rPr lang="en-US" smtClean="0"/>
-              <a:t>7/15/25</a:t>
+              <a:t>7/16/25</a:t>
             </a:fld>
             <a:endParaRPr lang="en-US"/>
           </a:p>
@@ -1386,7 +1387,7 @@
           <a:p>
             <a:fld id="{3DD42383-4BAE-6849-A00F-7880004EDF8D}" type="datetime1">
               <a:rPr lang="en-US" smtClean="0"/>
-              <a:t>7/15/25</a:t>
+              <a:t>7/16/25</a:t>
             </a:fld>
             <a:endParaRPr lang="en-US"/>
           </a:p>
@@ -1587,7 +1588,7 @@
           <a:p>
             <a:fld id="{C341F050-1748-B641-BEF7-F0B05D683DF2}" type="datetime1">
               <a:rPr lang="en-US" smtClean="0"/>
-              <a:t>7/15/25</a:t>
+              <a:t>7/16/25</a:t>
             </a:fld>
             <a:endParaRPr lang="en-US"/>
           </a:p>
@@ -1902,7 +1903,7 @@
           <a:p>
             <a:fld id="{703E1E6A-003E-5143-ACDC-9F51F85D9F12}" type="datetime1">
               <a:rPr lang="en-US" smtClean="0"/>
-              <a:t>7/15/25</a:t>
+              <a:t>7/16/25</a:t>
             </a:fld>
             <a:endParaRPr lang="en-US"/>
           </a:p>
@@ -2170,7 +2171,7 @@
           <a:p>
             <a:fld id="{319D976A-6AB4-2C43-8C0E-82CBE45DDD8F}" type="datetime1">
               <a:rPr lang="en-US" smtClean="0"/>
-              <a:t>7/15/25</a:t>
+              <a:t>7/16/25</a:t>
             </a:fld>
             <a:endParaRPr lang="en-US"/>
           </a:p>
@@ -2585,7 +2586,7 @@
           <a:p>
             <a:fld id="{53778A50-3F54-FC49-8AE5-81DE52D311B3}" type="datetime1">
               <a:rPr lang="en-US" smtClean="0"/>
-              <a:t>7/15/25</a:t>
+              <a:t>7/16/25</a:t>
             </a:fld>
             <a:endParaRPr lang="en-US"/>
           </a:p>
@@ -2729,7 +2730,7 @@
           <a:p>
             <a:fld id="{27B0E617-F9E8-3647-992E-DBB2D4E16B8E}" type="datetime1">
               <a:rPr lang="en-US" smtClean="0"/>
-              <a:t>7/15/25</a:t>
+              <a:t>7/16/25</a:t>
             </a:fld>
             <a:endParaRPr lang="en-US"/>
           </a:p>
@@ -2845,7 +2846,7 @@
           <a:p>
             <a:fld id="{D8240C70-7AD2-C648-BDF7-75B269C82AA5}" type="datetime1">
               <a:rPr lang="en-US" smtClean="0"/>
-              <a:t>7/15/25</a:t>
+              <a:t>7/16/25</a:t>
             </a:fld>
             <a:endParaRPr lang="en-US"/>
           </a:p>
@@ -3159,7 +3160,7 @@
           <a:p>
             <a:fld id="{BA0D14EE-7A21-3C4C-8EE8-3CC7F1EAD774}" type="datetime1">
               <a:rPr lang="en-US" smtClean="0"/>
-              <a:t>7/15/25</a:t>
+              <a:t>7/16/25</a:t>
             </a:fld>
             <a:endParaRPr lang="en-US"/>
           </a:p>
@@ -3453,7 +3454,7 @@
           <a:p>
             <a:fld id="{E8C3EEDC-1A29-BC43-920D-31DB5FB50C83}" type="datetime1">
               <a:rPr lang="en-US" smtClean="0"/>
-              <a:t>7/15/25</a:t>
+              <a:t>7/16/25</a:t>
             </a:fld>
             <a:endParaRPr lang="en-US"/>
           </a:p>
@@ -3700,7 +3701,7 @@
           <a:p>
             <a:fld id="{E4F9FEA8-61D2-B549-8D39-BC9C7133AA99}" type="datetime1">
               <a:rPr lang="en-US" smtClean="0"/>
-              <a:t>7/15/25</a:t>
+              <a:t>7/16/25</a:t>
             </a:fld>
             <a:endParaRPr lang="en-US"/>
           </a:p>
@@ -4383,8 +4384,8 @@
           </a:p>
         </p:txBody>
       </p:sp>
-      <mc:AlternateContent xmlns:mc="http://schemas.openxmlformats.org/markup-compatibility/2006">
-        <mc:Choice xmlns:a14="http://schemas.microsoft.com/office/drawing/2010/main" Requires="a14">
+      <mc:AlternateContent xmlns:mc="http://schemas.openxmlformats.org/markup-compatibility/2006" xmlns:a14="http://schemas.microsoft.com/office/drawing/2010/main">
+        <mc:Choice Requires="a14">
           <p:sp>
             <p:nvSpPr>
               <p:cNvPr id="3" name="Content Placeholder 2">
@@ -5305,7 +5306,7 @@
             </p:txBody>
           </p:sp>
         </mc:Choice>
-        <mc:Fallback>
+        <mc:Fallback xmlns="">
           <p:sp>
             <p:nvSpPr>
               <p:cNvPr id="3" name="Content Placeholder 2">
@@ -5368,7 +5369,7 @@
           <a:p>
             <a:fld id="{C341F050-1748-B641-BEF7-F0B05D683DF2}" type="datetime1">
               <a:rPr lang="en-US" smtClean="0"/>
-              <a:t>7/15/25</a:t>
+              <a:t>7/16/25</a:t>
             </a:fld>
             <a:endParaRPr lang="en-US"/>
           </a:p>
@@ -5495,8 +5496,8 @@
           </a:p>
         </p:txBody>
       </p:sp>
-      <mc:AlternateContent xmlns:mc="http://schemas.openxmlformats.org/markup-compatibility/2006">
-        <mc:Choice xmlns:a14="http://schemas.microsoft.com/office/drawing/2010/main" Requires="a14">
+      <mc:AlternateContent xmlns:mc="http://schemas.openxmlformats.org/markup-compatibility/2006" xmlns:a14="http://schemas.microsoft.com/office/drawing/2010/main">
+        <mc:Choice Requires="a14">
           <p:sp>
             <p:nvSpPr>
               <p:cNvPr id="3" name="Content Placeholder 2">
@@ -5565,7 +5566,7 @@
                     <m:d>
                       <m:dPr>
                         <m:ctrlPr>
-                          <a:rPr lang="en-US" b="0" i="0" smtClean="0">
+                          <a:rPr lang="en-US" b="0" i="1" smtClean="0">
                             <a:latin typeface="Cambria Math" panose="02040503050406030204" pitchFamily="18" charset="0"/>
                           </a:rPr>
                         </m:ctrlPr>
@@ -6171,7 +6172,7 @@
             </p:txBody>
           </p:sp>
         </mc:Choice>
-        <mc:Fallback>
+        <mc:Fallback xmlns="">
           <p:sp>
             <p:nvSpPr>
               <p:cNvPr id="3" name="Content Placeholder 2">
@@ -6234,7 +6235,7 @@
           <a:p>
             <a:fld id="{C341F050-1748-B641-BEF7-F0B05D683DF2}" type="datetime1">
               <a:rPr lang="en-US" smtClean="0"/>
-              <a:t>7/15/25</a:t>
+              <a:t>7/16/25</a:t>
             </a:fld>
             <a:endParaRPr lang="en-US"/>
           </a:p>
@@ -6658,7 +6659,7 @@
           <a:p>
             <a:fld id="{C341F050-1748-B641-BEF7-F0B05D683DF2}" type="datetime1">
               <a:rPr lang="en-US" smtClean="0"/>
-              <a:t>7/15/25</a:t>
+              <a:t>7/16/25</a:t>
             </a:fld>
             <a:endParaRPr lang="en-US"/>
           </a:p>
@@ -6808,7 +6809,7 @@
           <a:p>
             <a:fld id="{C341F050-1748-B641-BEF7-F0B05D683DF2}" type="datetime1">
               <a:rPr lang="en-US" smtClean="0"/>
-              <a:t>7/15/25</a:t>
+              <a:t>7/16/25</a:t>
             </a:fld>
             <a:endParaRPr lang="en-US"/>
           </a:p>
@@ -7982,7 +7983,7 @@
           <a:p>
             <a:fld id="{C341F050-1748-B641-BEF7-F0B05D683DF2}" type="datetime1">
               <a:rPr lang="en-US" smtClean="0"/>
-              <a:t>7/15/25</a:t>
+              <a:t>7/16/25</a:t>
             </a:fld>
             <a:endParaRPr lang="en-US"/>
           </a:p>
@@ -8171,7 +8172,7 @@
           <a:p>
             <a:fld id="{C341F050-1748-B641-BEF7-F0B05D683DF2}" type="datetime1">
               <a:rPr lang="en-US" smtClean="0"/>
-              <a:t>7/15/25</a:t>
+              <a:t>7/16/25</a:t>
             </a:fld>
             <a:endParaRPr lang="en-US"/>
           </a:p>
@@ -8690,7 +8691,7 @@
           <a:p>
             <a:fld id="{C341F050-1748-B641-BEF7-F0B05D683DF2}" type="datetime1">
               <a:rPr lang="en-US" smtClean="0"/>
-              <a:t>7/15/25</a:t>
+              <a:t>7/16/25</a:t>
             </a:fld>
             <a:endParaRPr lang="en-US"/>
           </a:p>
@@ -8879,7 +8880,7 @@
           <a:p>
             <a:fld id="{C341F050-1748-B641-BEF7-F0B05D683DF2}" type="datetime1">
               <a:rPr lang="en-US" smtClean="0"/>
-              <a:t>7/15/25</a:t>
+              <a:t>7/16/25</a:t>
             </a:fld>
             <a:endParaRPr lang="en-US"/>
           </a:p>
@@ -10381,7 +10382,7 @@
           <a:p>
             <a:fld id="{C341F050-1748-B641-BEF7-F0B05D683DF2}" type="datetime1">
               <a:rPr lang="en-US" smtClean="0"/>
-              <a:t>7/15/25</a:t>
+              <a:t>7/16/25</a:t>
             </a:fld>
             <a:endParaRPr lang="en-US"/>
           </a:p>
@@ -11466,7 +11467,7 @@
           <a:p>
             <a:fld id="{C341F050-1748-B641-BEF7-F0B05D683DF2}" type="datetime1">
               <a:rPr lang="en-US" smtClean="0"/>
-              <a:t>7/15/25</a:t>
+              <a:t>7/16/25</a:t>
             </a:fld>
             <a:endParaRPr lang="en-US"/>
           </a:p>
@@ -11841,7 +11842,19 @@
               <a:rPr lang="en-US" sz="2400" dirty="0">
                 <a:hlinkClick r:id="rId4"/>
               </a:rPr>
-              <a:t>https://github.com/</a:t>
+              <a:t>https://</a:t>
+            </a:r>
+            <a:r>
+              <a:rPr lang="en-US" sz="2400" dirty="0" err="1">
+                <a:hlinkClick r:id="rId4"/>
+              </a:rPr>
+              <a:t>github.com</a:t>
+            </a:r>
+            <a:r>
+              <a:rPr lang="en-US" sz="2400" dirty="0">
+                <a:hlinkClick r:id="rId4"/>
+              </a:rPr>
+              <a:t>/</a:t>
             </a:r>
             <a:r>
               <a:rPr lang="en-US" sz="2400" dirty="0" err="1">
@@ -11853,7 +11866,7 @@
               <a:rPr lang="en-US" sz="2400" dirty="0">
                 <a:hlinkClick r:id="rId4"/>
               </a:rPr>
-              <a:t>/DifferentialExpressionTraining_May2024</a:t>
+              <a:t>/DifferentialExpressionTraining_July2025</a:t>
             </a:r>
             <a:endParaRPr lang="en-US" sz="2400" dirty="0"/>
           </a:p>
@@ -11882,7 +11895,7 @@
           <a:p>
             <a:fld id="{C341F050-1748-B641-BEF7-F0B05D683DF2}" type="datetime1">
               <a:rPr lang="en-US" smtClean="0"/>
-              <a:t>7/15/25</a:t>
+              <a:t>7/16/25</a:t>
             </a:fld>
             <a:endParaRPr lang="en-US"/>
           </a:p>
@@ -12009,8 +12022,8 @@
           </a:p>
         </p:txBody>
       </p:sp>
-      <mc:AlternateContent xmlns:mc="http://schemas.openxmlformats.org/markup-compatibility/2006">
-        <mc:Choice xmlns:a14="http://schemas.microsoft.com/office/drawing/2010/main" Requires="a14">
+      <mc:AlternateContent xmlns:mc="http://schemas.openxmlformats.org/markup-compatibility/2006" xmlns:a14="http://schemas.microsoft.com/office/drawing/2010/main">
+        <mc:Choice Requires="a14">
           <p:sp>
             <p:nvSpPr>
               <p:cNvPr id="3" name="Content Placeholder 2">
@@ -13439,7 +13452,7 @@
             </p:txBody>
           </p:sp>
         </mc:Choice>
-        <mc:Fallback>
+        <mc:Fallback xmlns="">
           <p:sp>
             <p:nvSpPr>
               <p:cNvPr id="3" name="Content Placeholder 2">
@@ -13502,7 +13515,7 @@
           <a:p>
             <a:fld id="{C341F050-1748-B641-BEF7-F0B05D683DF2}" type="datetime1">
               <a:rPr lang="en-US" smtClean="0"/>
-              <a:t>7/15/25</a:t>
+              <a:t>7/16/25</a:t>
             </a:fld>
             <a:endParaRPr lang="en-US"/>
           </a:p>
@@ -13691,7 +13704,7 @@
           <a:p>
             <a:fld id="{C341F050-1748-B641-BEF7-F0B05D683DF2}" type="datetime1">
               <a:rPr lang="en-US" smtClean="0"/>
-              <a:t>7/15/25</a:t>
+              <a:t>7/16/25</a:t>
             </a:fld>
             <a:endParaRPr lang="en-US"/>
           </a:p>
@@ -13919,7 +13932,7 @@
           <a:p>
             <a:fld id="{C341F050-1748-B641-BEF7-F0B05D683DF2}" type="datetime1">
               <a:rPr lang="en-US" smtClean="0"/>
-              <a:t>7/15/25</a:t>
+              <a:t>7/16/25</a:t>
             </a:fld>
             <a:endParaRPr lang="en-US"/>
           </a:p>
@@ -14897,7 +14910,7 @@
           <a:p>
             <a:fld id="{C341F050-1748-B641-BEF7-F0B05D683DF2}" type="datetime1">
               <a:rPr lang="en-US" smtClean="0"/>
-              <a:t>7/15/25</a:t>
+              <a:t>7/16/25</a:t>
             </a:fld>
             <a:endParaRPr lang="en-US"/>
           </a:p>
@@ -15684,7 +15697,7 @@
           <a:p>
             <a:fld id="{C341F050-1748-B641-BEF7-F0B05D683DF2}" type="datetime1">
               <a:rPr lang="en-US" smtClean="0"/>
-              <a:t>7/15/25</a:t>
+              <a:t>7/16/25</a:t>
             </a:fld>
             <a:endParaRPr lang="en-US"/>
           </a:p>
@@ -15782,6 +15795,1439 @@
           <p:cNvPr id="2" name="Title 1">
             <a:extLst>
               <a:ext uri="{FF2B5EF4-FFF2-40B4-BE49-F238E27FC236}">
+                <a16:creationId xmlns:a16="http://schemas.microsoft.com/office/drawing/2014/main" id="{6B9ED954-C02E-F4CB-6ED0-A2E2D33A07D7}"/>
+              </a:ext>
+            </a:extLst>
+          </p:cNvPr>
+          <p:cNvSpPr>
+            <a:spLocks noGrp="1"/>
+          </p:cNvSpPr>
+          <p:nvPr>
+            <p:ph type="title"/>
+          </p:nvPr>
+        </p:nvSpPr>
+        <p:spPr/>
+        <p:txBody>
+          <a:bodyPr/>
+          <a:lstStyle/>
+          <a:p>
+            <a:r>
+              <a:rPr lang="en-US" u="sng" dirty="0" err="1"/>
+              <a:t>A</a:t>
+            </a:r>
+            <a:r>
+              <a:rPr lang="en-US" dirty="0" err="1"/>
+              <a:t>dapative</a:t>
+            </a:r>
+            <a:r>
+              <a:rPr lang="en-US" dirty="0"/>
+              <a:t> </a:t>
+            </a:r>
+            <a:r>
+              <a:rPr lang="en-US" u="sng" dirty="0" err="1"/>
+              <a:t>SH</a:t>
+            </a:r>
+            <a:r>
+              <a:rPr lang="en-US" dirty="0" err="1"/>
+              <a:t>rinkage</a:t>
+            </a:r>
+            <a:r>
+              <a:rPr lang="en-US" dirty="0"/>
+              <a:t> (ASH) model</a:t>
+            </a:r>
+            <a:endParaRPr lang="en-US" u="sng" dirty="0"/>
+          </a:p>
+        </p:txBody>
+      </p:sp>
+      <mc:AlternateContent xmlns:mc="http://schemas.openxmlformats.org/markup-compatibility/2006" xmlns:a14="http://schemas.microsoft.com/office/drawing/2010/main">
+        <mc:Choice Requires="a14">
+          <p:sp>
+            <p:nvSpPr>
+              <p:cNvPr id="3" name="Content Placeholder 2">
+                <a:extLst>
+                  <a:ext uri="{FF2B5EF4-FFF2-40B4-BE49-F238E27FC236}">
+                    <a16:creationId xmlns:a16="http://schemas.microsoft.com/office/drawing/2014/main" id="{F10F01B7-0E10-7AFC-DE91-FBC60D4FAEA1}"/>
+                  </a:ext>
+                </a:extLst>
+              </p:cNvPr>
+              <p:cNvSpPr>
+                <a:spLocks noGrp="1"/>
+              </p:cNvSpPr>
+              <p:nvPr>
+                <p:ph idx="1"/>
+              </p:nvPr>
+            </p:nvSpPr>
+            <p:spPr/>
+            <p:txBody>
+              <a:bodyPr>
+                <a:normAutofit/>
+              </a:bodyPr>
+              <a:lstStyle/>
+              <a:p>
+                <a:pPr marL="0" indent="0">
+                  <a:buNone/>
+                </a:pPr>
+                <a:r>
+                  <a:rPr lang="en-US" sz="2000" dirty="0"/>
+                  <a:t>Model from </a:t>
+                </a:r>
+                <a:r>
+                  <a:rPr lang="en-US" sz="2000" i="1" dirty="0"/>
+                  <a:t>M. Stephens 2017</a:t>
+                </a:r>
+                <a:endParaRPr lang="en-US" sz="2000" dirty="0"/>
+              </a:p>
+              <a:p>
+                <a:pPr marL="0" indent="0">
+                  <a:buNone/>
+                </a:pPr>
+                <a:r>
+                  <a:rPr lang="en-US" sz="2000" dirty="0"/>
+                  <a:t>Consider </a:t>
+                </a:r>
+                <a:r>
+                  <a:rPr lang="en-US" sz="2000" i="1" dirty="0"/>
+                  <a:t>true</a:t>
+                </a:r>
+                <a:r>
+                  <a:rPr lang="en-US" sz="2000" dirty="0"/>
+                  <a:t> effects (model coefficients) </a:t>
+                </a:r>
+                <a14:m>
+                  <m:oMath xmlns:m="http://schemas.openxmlformats.org/officeDocument/2006/math">
+                    <m:r>
+                      <a:rPr lang="en-US" sz="2000" b="0" i="1" smtClean="0">
+                        <a:latin typeface="Cambria Math" panose="02040503050406030204" pitchFamily="18" charset="0"/>
+                      </a:rPr>
+                      <m:t>𝛽</m:t>
+                    </m:r>
+                    <m:r>
+                      <a:rPr lang="en-US" sz="2000" b="0" i="1" smtClean="0">
+                        <a:latin typeface="Cambria Math" panose="02040503050406030204" pitchFamily="18" charset="0"/>
+                      </a:rPr>
+                      <m:t>=</m:t>
+                    </m:r>
+                    <m:d>
+                      <m:dPr>
+                        <m:ctrlPr>
+                          <a:rPr lang="en-US" sz="2000" b="0" i="1" smtClean="0">
+                            <a:latin typeface="Cambria Math" panose="02040503050406030204" pitchFamily="18" charset="0"/>
+                          </a:rPr>
+                        </m:ctrlPr>
+                      </m:dPr>
+                      <m:e>
+                        <m:sSub>
+                          <m:sSubPr>
+                            <m:ctrlPr>
+                              <a:rPr lang="en-US" sz="2000" b="0" i="1" smtClean="0">
+                                <a:latin typeface="Cambria Math" panose="02040503050406030204" pitchFamily="18" charset="0"/>
+                              </a:rPr>
+                            </m:ctrlPr>
+                          </m:sSubPr>
+                          <m:e>
+                            <m:r>
+                              <a:rPr lang="en-US" sz="2000" b="0" i="1" smtClean="0">
+                                <a:latin typeface="Cambria Math" panose="02040503050406030204" pitchFamily="18" charset="0"/>
+                              </a:rPr>
+                              <m:t>𝛽</m:t>
+                            </m:r>
+                          </m:e>
+                          <m:sub>
+                            <m:r>
+                              <a:rPr lang="en-US" sz="2000" b="0" i="1" smtClean="0">
+                                <a:latin typeface="Cambria Math" panose="02040503050406030204" pitchFamily="18" charset="0"/>
+                              </a:rPr>
+                              <m:t>1</m:t>
+                            </m:r>
+                          </m:sub>
+                        </m:sSub>
+                        <m:r>
+                          <a:rPr lang="en-US" sz="2000" b="0" i="1" smtClean="0">
+                            <a:latin typeface="Cambria Math" panose="02040503050406030204" pitchFamily="18" charset="0"/>
+                          </a:rPr>
+                          <m:t>,…,</m:t>
+                        </m:r>
+                        <m:sSub>
+                          <m:sSubPr>
+                            <m:ctrlPr>
+                              <a:rPr lang="en-US" sz="2000" b="0" i="1" smtClean="0">
+                                <a:latin typeface="Cambria Math" panose="02040503050406030204" pitchFamily="18" charset="0"/>
+                              </a:rPr>
+                            </m:ctrlPr>
+                          </m:sSubPr>
+                          <m:e>
+                            <m:r>
+                              <a:rPr lang="en-US" sz="2000" b="0" i="1" smtClean="0">
+                                <a:latin typeface="Cambria Math" panose="02040503050406030204" pitchFamily="18" charset="0"/>
+                              </a:rPr>
+                              <m:t>𝛽</m:t>
+                            </m:r>
+                          </m:e>
+                          <m:sub>
+                            <m:r>
+                              <a:rPr lang="en-US" sz="2000" b="0" i="1" smtClean="0">
+                                <a:latin typeface="Cambria Math" panose="02040503050406030204" pitchFamily="18" charset="0"/>
+                              </a:rPr>
+                              <m:t>𝐽</m:t>
+                            </m:r>
+                          </m:sub>
+                        </m:sSub>
+                      </m:e>
+                    </m:d>
+                  </m:oMath>
+                </a14:m>
+                <a:r>
+                  <a:rPr lang="en-US" sz="2000" dirty="0"/>
+                  <a:t> and observed effect sizes </a:t>
+                </a:r>
+                <a14:m>
+                  <m:oMath xmlns:m="http://schemas.openxmlformats.org/officeDocument/2006/math">
+                    <m:acc>
+                      <m:accPr>
+                        <m:chr m:val="̂"/>
+                        <m:ctrlPr>
+                          <a:rPr lang="en-US" sz="2000" b="0" i="1" smtClean="0">
+                            <a:latin typeface="Cambria Math" panose="02040503050406030204" pitchFamily="18" charset="0"/>
+                          </a:rPr>
+                        </m:ctrlPr>
+                      </m:accPr>
+                      <m:e>
+                        <m:r>
+                          <a:rPr lang="en-US" sz="2000" b="0" i="1" smtClean="0">
+                            <a:latin typeface="Cambria Math" panose="02040503050406030204" pitchFamily="18" charset="0"/>
+                          </a:rPr>
+                          <m:t>𝛽</m:t>
+                        </m:r>
+                      </m:e>
+                    </m:acc>
+                    <m:r>
+                      <a:rPr lang="en-US" sz="2000" b="0" i="1" dirty="0" smtClean="0">
+                        <a:latin typeface="Cambria Math" panose="02040503050406030204" pitchFamily="18" charset="0"/>
+                      </a:rPr>
+                      <m:t>=</m:t>
+                    </m:r>
+                    <m:d>
+                      <m:dPr>
+                        <m:ctrlPr>
+                          <a:rPr lang="en-US" sz="2000" b="0" i="1" dirty="0" smtClean="0">
+                            <a:latin typeface="Cambria Math" panose="02040503050406030204" pitchFamily="18" charset="0"/>
+                          </a:rPr>
+                        </m:ctrlPr>
+                      </m:dPr>
+                      <m:e>
+                        <m:sSub>
+                          <m:sSubPr>
+                            <m:ctrlPr>
+                              <a:rPr lang="en-US" sz="2000" b="0" i="1" dirty="0" smtClean="0">
+                                <a:latin typeface="Cambria Math" panose="02040503050406030204" pitchFamily="18" charset="0"/>
+                              </a:rPr>
+                            </m:ctrlPr>
+                          </m:sSubPr>
+                          <m:e>
+                            <m:acc>
+                              <m:accPr>
+                                <m:chr m:val="̂"/>
+                                <m:ctrlPr>
+                                  <a:rPr lang="en-US" sz="2000" b="0" i="1" dirty="0" smtClean="0">
+                                    <a:latin typeface="Cambria Math" panose="02040503050406030204" pitchFamily="18" charset="0"/>
+                                  </a:rPr>
+                                </m:ctrlPr>
+                              </m:accPr>
+                              <m:e>
+                                <m:r>
+                                  <a:rPr lang="en-US" sz="2000" b="0" i="1" dirty="0" smtClean="0">
+                                    <a:latin typeface="Cambria Math" panose="02040503050406030204" pitchFamily="18" charset="0"/>
+                                  </a:rPr>
+                                  <m:t>𝛽</m:t>
+                                </m:r>
+                              </m:e>
+                            </m:acc>
+                          </m:e>
+                          <m:sub>
+                            <m:r>
+                              <a:rPr lang="en-US" sz="2000" b="0" i="1" dirty="0" smtClean="0">
+                                <a:latin typeface="Cambria Math" panose="02040503050406030204" pitchFamily="18" charset="0"/>
+                              </a:rPr>
+                              <m:t>1</m:t>
+                            </m:r>
+                          </m:sub>
+                        </m:sSub>
+                        <m:r>
+                          <a:rPr lang="en-US" sz="2000" b="0" i="1" dirty="0" smtClean="0">
+                            <a:latin typeface="Cambria Math" panose="02040503050406030204" pitchFamily="18" charset="0"/>
+                          </a:rPr>
+                          <m:t>,…,</m:t>
+                        </m:r>
+                        <m:sSub>
+                          <m:sSubPr>
+                            <m:ctrlPr>
+                              <a:rPr lang="en-US" sz="2000" b="0" i="1" dirty="0" smtClean="0">
+                                <a:latin typeface="Cambria Math" panose="02040503050406030204" pitchFamily="18" charset="0"/>
+                              </a:rPr>
+                            </m:ctrlPr>
+                          </m:sSubPr>
+                          <m:e>
+                            <m:acc>
+                              <m:accPr>
+                                <m:chr m:val="̂"/>
+                                <m:ctrlPr>
+                                  <a:rPr lang="en-US" sz="2000" b="0" i="1" dirty="0" smtClean="0">
+                                    <a:latin typeface="Cambria Math" panose="02040503050406030204" pitchFamily="18" charset="0"/>
+                                  </a:rPr>
+                                </m:ctrlPr>
+                              </m:accPr>
+                              <m:e>
+                                <m:r>
+                                  <a:rPr lang="en-US" sz="2000" b="0" i="1" dirty="0" smtClean="0">
+                                    <a:latin typeface="Cambria Math" panose="02040503050406030204" pitchFamily="18" charset="0"/>
+                                  </a:rPr>
+                                  <m:t>𝛽</m:t>
+                                </m:r>
+                              </m:e>
+                            </m:acc>
+                          </m:e>
+                          <m:sub>
+                            <m:r>
+                              <a:rPr lang="en-US" sz="2000" b="0" i="1" dirty="0" smtClean="0">
+                                <a:latin typeface="Cambria Math" panose="02040503050406030204" pitchFamily="18" charset="0"/>
+                              </a:rPr>
+                              <m:t>𝐽</m:t>
+                            </m:r>
+                          </m:sub>
+                        </m:sSub>
+                      </m:e>
+                    </m:d>
+                  </m:oMath>
+                </a14:m>
+                <a:r>
+                  <a:rPr lang="en-US" sz="2000" dirty="0"/>
+                  <a:t> with corresponding estimated standard errors </a:t>
+                </a:r>
+                <a14:m>
+                  <m:oMath xmlns:m="http://schemas.openxmlformats.org/officeDocument/2006/math">
+                    <m:acc>
+                      <m:accPr>
+                        <m:chr m:val="̂"/>
+                        <m:ctrlPr>
+                          <a:rPr lang="en-US" sz="2000" b="0" i="1" smtClean="0">
+                            <a:latin typeface="Cambria Math" panose="02040503050406030204" pitchFamily="18" charset="0"/>
+                          </a:rPr>
+                        </m:ctrlPr>
+                      </m:accPr>
+                      <m:e>
+                        <m:r>
+                          <a:rPr lang="en-US" sz="2000" b="0" i="1" smtClean="0">
+                            <a:latin typeface="Cambria Math" panose="02040503050406030204" pitchFamily="18" charset="0"/>
+                          </a:rPr>
+                          <m:t>𝑠</m:t>
+                        </m:r>
+                      </m:e>
+                    </m:acc>
+                    <m:r>
+                      <a:rPr lang="en-US" sz="2000" b="0" i="1" dirty="0" smtClean="0">
+                        <a:latin typeface="Cambria Math" panose="02040503050406030204" pitchFamily="18" charset="0"/>
+                      </a:rPr>
+                      <m:t>=</m:t>
+                    </m:r>
+                    <m:d>
+                      <m:dPr>
+                        <m:ctrlPr>
+                          <a:rPr lang="en-US" sz="2000" b="0" i="1" dirty="0" smtClean="0">
+                            <a:latin typeface="Cambria Math" panose="02040503050406030204" pitchFamily="18" charset="0"/>
+                          </a:rPr>
+                        </m:ctrlPr>
+                      </m:dPr>
+                      <m:e>
+                        <m:sSub>
+                          <m:sSubPr>
+                            <m:ctrlPr>
+                              <a:rPr lang="en-US" sz="2000" b="0" i="1" dirty="0" smtClean="0">
+                                <a:latin typeface="Cambria Math" panose="02040503050406030204" pitchFamily="18" charset="0"/>
+                              </a:rPr>
+                            </m:ctrlPr>
+                          </m:sSubPr>
+                          <m:e>
+                            <m:acc>
+                              <m:accPr>
+                                <m:chr m:val="̂"/>
+                                <m:ctrlPr>
+                                  <a:rPr lang="en-US" sz="2000" b="0" i="1" dirty="0" smtClean="0">
+                                    <a:latin typeface="Cambria Math" panose="02040503050406030204" pitchFamily="18" charset="0"/>
+                                  </a:rPr>
+                                </m:ctrlPr>
+                              </m:accPr>
+                              <m:e>
+                                <m:r>
+                                  <a:rPr lang="en-US" sz="2000" b="0" i="1" dirty="0" smtClean="0">
+                                    <a:latin typeface="Cambria Math" panose="02040503050406030204" pitchFamily="18" charset="0"/>
+                                  </a:rPr>
+                                  <m:t>𝑠</m:t>
+                                </m:r>
+                              </m:e>
+                            </m:acc>
+                          </m:e>
+                          <m:sub>
+                            <m:r>
+                              <a:rPr lang="en-US" sz="2000" b="0" i="1" dirty="0" smtClean="0">
+                                <a:latin typeface="Cambria Math" panose="02040503050406030204" pitchFamily="18" charset="0"/>
+                              </a:rPr>
+                              <m:t>1</m:t>
+                            </m:r>
+                          </m:sub>
+                        </m:sSub>
+                        <m:r>
+                          <a:rPr lang="en-US" sz="2000" b="0" i="1" dirty="0" smtClean="0">
+                            <a:latin typeface="Cambria Math" panose="02040503050406030204" pitchFamily="18" charset="0"/>
+                          </a:rPr>
+                          <m:t>,…,</m:t>
+                        </m:r>
+                        <m:sSub>
+                          <m:sSubPr>
+                            <m:ctrlPr>
+                              <a:rPr lang="en-US" sz="2000" b="0" i="1" dirty="0" smtClean="0">
+                                <a:latin typeface="Cambria Math" panose="02040503050406030204" pitchFamily="18" charset="0"/>
+                              </a:rPr>
+                            </m:ctrlPr>
+                          </m:sSubPr>
+                          <m:e>
+                            <m:acc>
+                              <m:accPr>
+                                <m:chr m:val="̂"/>
+                                <m:ctrlPr>
+                                  <a:rPr lang="en-US" sz="2000" b="0" i="1" dirty="0" smtClean="0">
+                                    <a:latin typeface="Cambria Math" panose="02040503050406030204" pitchFamily="18" charset="0"/>
+                                  </a:rPr>
+                                </m:ctrlPr>
+                              </m:accPr>
+                              <m:e>
+                                <m:r>
+                                  <a:rPr lang="en-US" sz="2000" b="0" i="1" dirty="0" smtClean="0">
+                                    <a:latin typeface="Cambria Math" panose="02040503050406030204" pitchFamily="18" charset="0"/>
+                                  </a:rPr>
+                                  <m:t>𝑠</m:t>
+                                </m:r>
+                              </m:e>
+                            </m:acc>
+                          </m:e>
+                          <m:sub>
+                            <m:r>
+                              <a:rPr lang="en-US" sz="2000" b="0" i="1" dirty="0" smtClean="0">
+                                <a:latin typeface="Cambria Math" panose="02040503050406030204" pitchFamily="18" charset="0"/>
+                              </a:rPr>
+                              <m:t>𝐽</m:t>
+                            </m:r>
+                          </m:sub>
+                        </m:sSub>
+                      </m:e>
+                    </m:d>
+                  </m:oMath>
+                </a14:m>
+                <a:endParaRPr lang="en-US" sz="2000" dirty="0"/>
+              </a:p>
+              <a:p>
+                <a:pPr marL="0" indent="0">
+                  <a:buNone/>
+                </a:pPr>
+                <a:endParaRPr lang="en-US" sz="1200" dirty="0"/>
+              </a:p>
+              <a:p>
+                <a:pPr marL="0" indent="0">
+                  <a:buNone/>
+                </a:pPr>
+                <a:r>
+                  <a:rPr lang="en-US" sz="2000" dirty="0"/>
+                  <a:t>We can conduct hypothesis testing based on the model of the true effects:</a:t>
+                </a:r>
+              </a:p>
+              <a:p>
+                <a:pPr marL="0" indent="0">
+                  <a:buNone/>
+                </a:pPr>
+                <a14:m>
+                  <m:oMathPara xmlns:m="http://schemas.openxmlformats.org/officeDocument/2006/math">
+                    <m:oMathParaPr>
+                      <m:jc m:val="centerGroup"/>
+                    </m:oMathParaPr>
+                    <m:oMath xmlns:m="http://schemas.openxmlformats.org/officeDocument/2006/math">
+                      <m:r>
+                        <a:rPr lang="en-US" sz="2000" b="0" i="1" smtClean="0">
+                          <a:latin typeface="Cambria Math" panose="02040503050406030204" pitchFamily="18" charset="0"/>
+                        </a:rPr>
+                        <m:t>ℙ</m:t>
+                      </m:r>
+                      <m:d>
+                        <m:dPr>
+                          <m:ctrlPr>
+                            <a:rPr lang="en-US" sz="2000" b="0" i="1" smtClean="0">
+                              <a:latin typeface="Cambria Math" panose="02040503050406030204" pitchFamily="18" charset="0"/>
+                            </a:rPr>
+                          </m:ctrlPr>
+                        </m:dPr>
+                        <m:e>
+                          <m:r>
+                            <a:rPr lang="en-US" sz="2000" b="0" i="1" smtClean="0">
+                              <a:latin typeface="Cambria Math" panose="02040503050406030204" pitchFamily="18" charset="0"/>
+                            </a:rPr>
+                            <m:t>𝛽</m:t>
+                          </m:r>
+                        </m:e>
+                        <m:e>
+                          <m:acc>
+                            <m:accPr>
+                              <m:chr m:val="̂"/>
+                              <m:ctrlPr>
+                                <a:rPr lang="en-US" sz="2000" b="0" i="1" smtClean="0">
+                                  <a:latin typeface="Cambria Math" panose="02040503050406030204" pitchFamily="18" charset="0"/>
+                                </a:rPr>
+                              </m:ctrlPr>
+                            </m:accPr>
+                            <m:e>
+                              <m:r>
+                                <a:rPr lang="en-US" sz="2000" b="0" i="1" smtClean="0">
+                                  <a:latin typeface="Cambria Math" panose="02040503050406030204" pitchFamily="18" charset="0"/>
+                                </a:rPr>
+                                <m:t>𝛽</m:t>
+                              </m:r>
+                            </m:e>
+                          </m:acc>
+                          <m:r>
+                            <a:rPr lang="en-US" sz="2000" b="0" i="1" smtClean="0">
+                              <a:latin typeface="Cambria Math" panose="02040503050406030204" pitchFamily="18" charset="0"/>
+                            </a:rPr>
+                            <m:t>,</m:t>
+                          </m:r>
+                          <m:acc>
+                            <m:accPr>
+                              <m:chr m:val="̂"/>
+                              <m:ctrlPr>
+                                <a:rPr lang="en-US" sz="2000" b="0" i="1" smtClean="0">
+                                  <a:latin typeface="Cambria Math" panose="02040503050406030204" pitchFamily="18" charset="0"/>
+                                </a:rPr>
+                              </m:ctrlPr>
+                            </m:accPr>
+                            <m:e>
+                              <m:r>
+                                <a:rPr lang="en-US" sz="2000" b="0" i="1" smtClean="0">
+                                  <a:latin typeface="Cambria Math" panose="02040503050406030204" pitchFamily="18" charset="0"/>
+                                </a:rPr>
+                                <m:t>𝑠</m:t>
+                              </m:r>
+                            </m:e>
+                          </m:acc>
+                        </m:e>
+                      </m:d>
+                      <m:r>
+                        <a:rPr lang="en-US" sz="2000" b="0" i="1" smtClean="0">
+                          <a:latin typeface="Cambria Math" panose="02040503050406030204" pitchFamily="18" charset="0"/>
+                        </a:rPr>
+                        <m:t>∝</m:t>
+                      </m:r>
+                      <m:r>
+                        <a:rPr lang="en-US" sz="2000" b="0" i="1" smtClean="0">
+                          <a:latin typeface="Cambria Math" panose="02040503050406030204" pitchFamily="18" charset="0"/>
+                        </a:rPr>
+                        <m:t>ℙ</m:t>
+                      </m:r>
+                      <m:d>
+                        <m:dPr>
+                          <m:ctrlPr>
+                            <a:rPr lang="en-US" sz="2000" b="0" i="1" smtClean="0">
+                              <a:latin typeface="Cambria Math" panose="02040503050406030204" pitchFamily="18" charset="0"/>
+                            </a:rPr>
+                          </m:ctrlPr>
+                        </m:dPr>
+                        <m:e>
+                          <m:r>
+                            <a:rPr lang="en-US" sz="2000" b="0" i="1" smtClean="0">
+                              <a:latin typeface="Cambria Math" panose="02040503050406030204" pitchFamily="18" charset="0"/>
+                            </a:rPr>
+                            <m:t>𝛽</m:t>
+                          </m:r>
+                        </m:e>
+                        <m:e>
+                          <m:acc>
+                            <m:accPr>
+                              <m:chr m:val="̂"/>
+                              <m:ctrlPr>
+                                <a:rPr lang="en-US" sz="2000" b="0" i="1" smtClean="0">
+                                  <a:latin typeface="Cambria Math" panose="02040503050406030204" pitchFamily="18" charset="0"/>
+                                </a:rPr>
+                              </m:ctrlPr>
+                            </m:accPr>
+                            <m:e>
+                              <m:r>
+                                <a:rPr lang="en-US" sz="2000" b="0" i="1" smtClean="0">
+                                  <a:latin typeface="Cambria Math" panose="02040503050406030204" pitchFamily="18" charset="0"/>
+                                </a:rPr>
+                                <m:t>𝑠</m:t>
+                              </m:r>
+                            </m:e>
+                          </m:acc>
+                        </m:e>
+                      </m:d>
+                      <m:r>
+                        <a:rPr lang="en-US" sz="2000" b="0" i="1" smtClean="0">
+                          <a:latin typeface="Cambria Math" panose="02040503050406030204" pitchFamily="18" charset="0"/>
+                        </a:rPr>
+                        <m:t>ℙ</m:t>
+                      </m:r>
+                      <m:d>
+                        <m:dPr>
+                          <m:ctrlPr>
+                            <a:rPr lang="en-US" sz="2000" b="0" i="1" smtClean="0">
+                              <a:latin typeface="Cambria Math" panose="02040503050406030204" pitchFamily="18" charset="0"/>
+                            </a:rPr>
+                          </m:ctrlPr>
+                        </m:dPr>
+                        <m:e>
+                          <m:acc>
+                            <m:accPr>
+                              <m:chr m:val="̂"/>
+                              <m:ctrlPr>
+                                <a:rPr lang="en-US" sz="2000" b="0" i="1" smtClean="0">
+                                  <a:latin typeface="Cambria Math" panose="02040503050406030204" pitchFamily="18" charset="0"/>
+                                </a:rPr>
+                              </m:ctrlPr>
+                            </m:accPr>
+                            <m:e>
+                              <m:r>
+                                <a:rPr lang="en-US" sz="2000" b="0" i="1" smtClean="0">
+                                  <a:latin typeface="Cambria Math" panose="02040503050406030204" pitchFamily="18" charset="0"/>
+                                </a:rPr>
+                                <m:t>𝛽</m:t>
+                              </m:r>
+                            </m:e>
+                          </m:acc>
+                        </m:e>
+                        <m:e>
+                          <m:r>
+                            <a:rPr lang="en-US" sz="2000" b="0" i="1" smtClean="0">
+                              <a:latin typeface="Cambria Math" panose="02040503050406030204" pitchFamily="18" charset="0"/>
+                            </a:rPr>
+                            <m:t>𝛽</m:t>
+                          </m:r>
+                          <m:r>
+                            <a:rPr lang="en-US" sz="2000" b="0" i="1" smtClean="0">
+                              <a:latin typeface="Cambria Math" panose="02040503050406030204" pitchFamily="18" charset="0"/>
+                            </a:rPr>
+                            <m:t>,</m:t>
+                          </m:r>
+                          <m:acc>
+                            <m:accPr>
+                              <m:chr m:val="̂"/>
+                              <m:ctrlPr>
+                                <a:rPr lang="en-US" sz="2000" b="0" i="1" smtClean="0">
+                                  <a:latin typeface="Cambria Math" panose="02040503050406030204" pitchFamily="18" charset="0"/>
+                                </a:rPr>
+                              </m:ctrlPr>
+                            </m:accPr>
+                            <m:e>
+                              <m:r>
+                                <a:rPr lang="en-US" sz="2000" b="0" i="1" smtClean="0">
+                                  <a:latin typeface="Cambria Math" panose="02040503050406030204" pitchFamily="18" charset="0"/>
+                                </a:rPr>
+                                <m:t>𝑠</m:t>
+                              </m:r>
+                            </m:e>
+                          </m:acc>
+                        </m:e>
+                      </m:d>
+                    </m:oMath>
+                  </m:oMathPara>
+                </a14:m>
+                <a:endParaRPr lang="en-US" sz="2000" b="0" dirty="0"/>
+              </a:p>
+              <a:p>
+                <a:pPr marL="0" indent="0">
+                  <a:buNone/>
+                </a:pPr>
+                <a:endParaRPr lang="en-US" sz="1200" dirty="0"/>
+              </a:p>
+              <a:p>
+                <a:pPr marL="0" indent="0">
+                  <a:buNone/>
+                </a:pPr>
+                <a:r>
+                  <a:rPr lang="en-US" sz="2000" dirty="0"/>
+                  <a:t>Model the conditional distribution on true effects and observed effects as:</a:t>
+                </a:r>
+              </a:p>
+              <a:p>
+                <a:pPr marL="0" indent="0">
+                  <a:buNone/>
+                </a:pPr>
+                <a14:m>
+                  <m:oMathPara xmlns:m="http://schemas.openxmlformats.org/officeDocument/2006/math">
+                    <m:oMathParaPr>
+                      <m:jc m:val="centerGroup"/>
+                    </m:oMathParaPr>
+                    <m:oMath xmlns:m="http://schemas.openxmlformats.org/officeDocument/2006/math">
+                      <m:r>
+                        <a:rPr lang="en-US" sz="2000" b="0" i="1" smtClean="0">
+                          <a:latin typeface="Cambria Math" panose="02040503050406030204" pitchFamily="18" charset="0"/>
+                        </a:rPr>
+                        <m:t>ℙ</m:t>
+                      </m:r>
+                      <m:d>
+                        <m:dPr>
+                          <m:ctrlPr>
+                            <a:rPr lang="en-US" sz="2000" b="0" i="1" smtClean="0">
+                              <a:latin typeface="Cambria Math" panose="02040503050406030204" pitchFamily="18" charset="0"/>
+                            </a:rPr>
+                          </m:ctrlPr>
+                        </m:dPr>
+                        <m:e>
+                          <m:r>
+                            <a:rPr lang="en-US" sz="2000" b="0" i="1" smtClean="0">
+                              <a:latin typeface="Cambria Math" panose="02040503050406030204" pitchFamily="18" charset="0"/>
+                            </a:rPr>
+                            <m:t>𝛽</m:t>
+                          </m:r>
+                        </m:e>
+                        <m:e>
+                          <m:acc>
+                            <m:accPr>
+                              <m:chr m:val="̂"/>
+                              <m:ctrlPr>
+                                <a:rPr lang="en-US" sz="2000" b="0" i="1" smtClean="0">
+                                  <a:latin typeface="Cambria Math" panose="02040503050406030204" pitchFamily="18" charset="0"/>
+                                </a:rPr>
+                              </m:ctrlPr>
+                            </m:accPr>
+                            <m:e>
+                              <m:r>
+                                <a:rPr lang="en-US" sz="2000" b="0" i="1" smtClean="0">
+                                  <a:latin typeface="Cambria Math" panose="02040503050406030204" pitchFamily="18" charset="0"/>
+                                </a:rPr>
+                                <m:t>𝑠</m:t>
+                              </m:r>
+                            </m:e>
+                          </m:acc>
+                          <m:r>
+                            <a:rPr lang="en-US" sz="2000" b="0" i="1" smtClean="0">
+                              <a:latin typeface="Cambria Math" panose="02040503050406030204" pitchFamily="18" charset="0"/>
+                            </a:rPr>
+                            <m:t>,</m:t>
+                          </m:r>
+                          <m:r>
+                            <a:rPr lang="en-US" sz="2000" b="0" i="1" smtClean="0">
+                              <a:latin typeface="Cambria Math" panose="02040503050406030204" pitchFamily="18" charset="0"/>
+                            </a:rPr>
+                            <m:t>𝜋</m:t>
+                          </m:r>
+                        </m:e>
+                      </m:d>
+                      <m:r>
+                        <a:rPr lang="en-US" sz="2000" b="0" i="1" smtClean="0">
+                          <a:latin typeface="Cambria Math" panose="02040503050406030204" pitchFamily="18" charset="0"/>
+                        </a:rPr>
+                        <m:t>=</m:t>
+                      </m:r>
+                      <m:nary>
+                        <m:naryPr>
+                          <m:chr m:val="∏"/>
+                          <m:supHide m:val="on"/>
+                          <m:ctrlPr>
+                            <a:rPr lang="en-US" sz="2000" b="0" i="1" smtClean="0">
+                              <a:latin typeface="Cambria Math" panose="02040503050406030204" pitchFamily="18" charset="0"/>
+                            </a:rPr>
+                          </m:ctrlPr>
+                        </m:naryPr>
+                        <m:sub>
+                          <m:r>
+                            <a:rPr lang="en-US" sz="2000" b="0" i="1" smtClean="0">
+                              <a:latin typeface="Cambria Math" panose="02040503050406030204" pitchFamily="18" charset="0"/>
+                            </a:rPr>
+                            <m:t>𝑗</m:t>
+                          </m:r>
+                        </m:sub>
+                        <m:sup/>
+                        <m:e>
+                          <m:r>
+                            <a:rPr lang="en-US" sz="2000" b="0" i="1" smtClean="0">
+                              <a:latin typeface="Cambria Math" panose="02040503050406030204" pitchFamily="18" charset="0"/>
+                            </a:rPr>
+                            <m:t>𝑔</m:t>
+                          </m:r>
+                          <m:d>
+                            <m:dPr>
+                              <m:ctrlPr>
+                                <a:rPr lang="en-US" sz="2000" b="0" i="1" smtClean="0">
+                                  <a:latin typeface="Cambria Math" panose="02040503050406030204" pitchFamily="18" charset="0"/>
+                                </a:rPr>
+                              </m:ctrlPr>
+                            </m:dPr>
+                            <m:e>
+                              <m:sSub>
+                                <m:sSubPr>
+                                  <m:ctrlPr>
+                                    <a:rPr lang="en-US" sz="2000" b="0" i="1" smtClean="0">
+                                      <a:latin typeface="Cambria Math" panose="02040503050406030204" pitchFamily="18" charset="0"/>
+                                    </a:rPr>
+                                  </m:ctrlPr>
+                                </m:sSubPr>
+                                <m:e>
+                                  <m:r>
+                                    <a:rPr lang="en-US" sz="2000" b="0" i="1" smtClean="0">
+                                      <a:latin typeface="Cambria Math" panose="02040503050406030204" pitchFamily="18" charset="0"/>
+                                    </a:rPr>
+                                    <m:t>𝛽</m:t>
+                                  </m:r>
+                                </m:e>
+                                <m:sub>
+                                  <m:r>
+                                    <a:rPr lang="en-US" sz="2000" b="0" i="1" smtClean="0">
+                                      <a:latin typeface="Cambria Math" panose="02040503050406030204" pitchFamily="18" charset="0"/>
+                                    </a:rPr>
+                                    <m:t>𝑗</m:t>
+                                  </m:r>
+                                </m:sub>
+                              </m:sSub>
+                            </m:e>
+                            <m:e>
+                              <m:r>
+                                <a:rPr lang="en-US" sz="2000" b="0" i="1" smtClean="0">
+                                  <a:latin typeface="Cambria Math" panose="02040503050406030204" pitchFamily="18" charset="0"/>
+                                </a:rPr>
+                                <m:t>𝜋</m:t>
+                              </m:r>
+                            </m:e>
+                          </m:d>
+                        </m:e>
+                      </m:nary>
+                    </m:oMath>
+                    <m:oMath xmlns:m="http://schemas.openxmlformats.org/officeDocument/2006/math">
+                      <m:r>
+                        <a:rPr lang="en-US" sz="2000" b="0" i="1" smtClean="0">
+                          <a:latin typeface="Cambria Math" panose="02040503050406030204" pitchFamily="18" charset="0"/>
+                        </a:rPr>
+                        <m:t>𝑔</m:t>
+                      </m:r>
+                      <m:d>
+                        <m:dPr>
+                          <m:ctrlPr>
+                            <a:rPr lang="en-US" sz="2000" b="0" i="1" smtClean="0">
+                              <a:latin typeface="Cambria Math" panose="02040503050406030204" pitchFamily="18" charset="0"/>
+                            </a:rPr>
+                          </m:ctrlPr>
+                        </m:dPr>
+                        <m:e>
+                          <m:r>
+                            <a:rPr lang="en-US" sz="2000" b="0" i="1" smtClean="0">
+                              <a:latin typeface="Cambria Math" panose="02040503050406030204" pitchFamily="18" charset="0"/>
+                            </a:rPr>
+                            <m:t>⋅</m:t>
+                          </m:r>
+                        </m:e>
+                        <m:e>
+                          <m:r>
+                            <a:rPr lang="en-US" sz="2000" b="0" i="1" smtClean="0">
+                              <a:latin typeface="Cambria Math" panose="02040503050406030204" pitchFamily="18" charset="0"/>
+                            </a:rPr>
+                            <m:t>𝜋</m:t>
+                          </m:r>
+                        </m:e>
+                      </m:d>
+                      <m:r>
+                        <a:rPr lang="en-US" sz="2000" b="0" i="1" smtClean="0">
+                          <a:latin typeface="Cambria Math" panose="02040503050406030204" pitchFamily="18" charset="0"/>
+                        </a:rPr>
+                        <m:t>=</m:t>
+                      </m:r>
+                      <m:sSub>
+                        <m:sSubPr>
+                          <m:ctrlPr>
+                            <a:rPr lang="en-US" sz="2000" b="0" i="1" smtClean="0">
+                              <a:latin typeface="Cambria Math" panose="02040503050406030204" pitchFamily="18" charset="0"/>
+                            </a:rPr>
+                          </m:ctrlPr>
+                        </m:sSubPr>
+                        <m:e>
+                          <m:r>
+                            <a:rPr lang="en-US" sz="2000" b="0" i="1" smtClean="0">
+                              <a:latin typeface="Cambria Math" panose="02040503050406030204" pitchFamily="18" charset="0"/>
+                            </a:rPr>
+                            <m:t>𝜋</m:t>
+                          </m:r>
+                        </m:e>
+                        <m:sub>
+                          <m:r>
+                            <a:rPr lang="en-US" sz="2000" b="0" i="1" smtClean="0">
+                              <a:latin typeface="Cambria Math" panose="02040503050406030204" pitchFamily="18" charset="0"/>
+                            </a:rPr>
+                            <m:t>0</m:t>
+                          </m:r>
+                        </m:sub>
+                      </m:sSub>
+                      <m:sSub>
+                        <m:sSubPr>
+                          <m:ctrlPr>
+                            <a:rPr lang="en-US" sz="2000" b="0" i="1" smtClean="0">
+                              <a:latin typeface="Cambria Math" panose="02040503050406030204" pitchFamily="18" charset="0"/>
+                            </a:rPr>
+                          </m:ctrlPr>
+                        </m:sSubPr>
+                        <m:e>
+                          <m:r>
+                            <a:rPr lang="en-US" sz="2000" b="0" i="1" smtClean="0">
+                              <a:latin typeface="Cambria Math" panose="02040503050406030204" pitchFamily="18" charset="0"/>
+                            </a:rPr>
+                            <m:t>𝛿</m:t>
+                          </m:r>
+                        </m:e>
+                        <m:sub>
+                          <m:r>
+                            <a:rPr lang="en-US" sz="2000" b="0" i="1" smtClean="0">
+                              <a:latin typeface="Cambria Math" panose="02040503050406030204" pitchFamily="18" charset="0"/>
+                            </a:rPr>
+                            <m:t>0</m:t>
+                          </m:r>
+                        </m:sub>
+                      </m:sSub>
+                      <m:d>
+                        <m:dPr>
+                          <m:ctrlPr>
+                            <a:rPr lang="en-US" sz="2000" b="0" i="1" smtClean="0">
+                              <a:latin typeface="Cambria Math" panose="02040503050406030204" pitchFamily="18" charset="0"/>
+                            </a:rPr>
+                          </m:ctrlPr>
+                        </m:dPr>
+                        <m:e>
+                          <m:r>
+                            <a:rPr lang="en-US" sz="2000" b="0" i="1" smtClean="0">
+                              <a:latin typeface="Cambria Math" panose="02040503050406030204" pitchFamily="18" charset="0"/>
+                            </a:rPr>
+                            <m:t>⋅</m:t>
+                          </m:r>
+                        </m:e>
+                      </m:d>
+                      <m:r>
+                        <a:rPr lang="en-US" sz="2000" b="0" i="1" smtClean="0">
+                          <a:latin typeface="Cambria Math" panose="02040503050406030204" pitchFamily="18" charset="0"/>
+                        </a:rPr>
+                        <m:t>+</m:t>
+                      </m:r>
+                      <m:nary>
+                        <m:naryPr>
+                          <m:chr m:val="∑"/>
+                          <m:ctrlPr>
+                            <a:rPr lang="en-US" sz="2000" b="0" i="1" smtClean="0">
+                              <a:latin typeface="Cambria Math" panose="02040503050406030204" pitchFamily="18" charset="0"/>
+                            </a:rPr>
+                          </m:ctrlPr>
+                        </m:naryPr>
+                        <m:sub>
+                          <m:r>
+                            <a:rPr lang="en-US" sz="2000" b="0" i="1" smtClean="0">
+                              <a:latin typeface="Cambria Math" panose="02040503050406030204" pitchFamily="18" charset="0"/>
+                            </a:rPr>
+                            <m:t>𝑘</m:t>
+                          </m:r>
+                          <m:r>
+                            <a:rPr lang="en-US" sz="2000" b="0" i="1" smtClean="0">
+                              <a:latin typeface="Cambria Math" panose="02040503050406030204" pitchFamily="18" charset="0"/>
+                            </a:rPr>
+                            <m:t>=1</m:t>
+                          </m:r>
+                        </m:sub>
+                        <m:sup>
+                          <m:r>
+                            <a:rPr lang="en-US" sz="2000" b="0" i="1" smtClean="0">
+                              <a:latin typeface="Cambria Math" panose="02040503050406030204" pitchFamily="18" charset="0"/>
+                            </a:rPr>
+                            <m:t>𝐾</m:t>
+                          </m:r>
+                        </m:sup>
+                        <m:e>
+                          <m:sSub>
+                            <m:sSubPr>
+                              <m:ctrlPr>
+                                <a:rPr lang="en-US" sz="2000" b="0" i="1" smtClean="0">
+                                  <a:latin typeface="Cambria Math" panose="02040503050406030204" pitchFamily="18" charset="0"/>
+                                </a:rPr>
+                              </m:ctrlPr>
+                            </m:sSubPr>
+                            <m:e>
+                              <m:r>
+                                <a:rPr lang="en-US" sz="2000" b="0" i="1" smtClean="0">
+                                  <a:latin typeface="Cambria Math" panose="02040503050406030204" pitchFamily="18" charset="0"/>
+                                </a:rPr>
+                                <m:t>𝜋</m:t>
+                              </m:r>
+                            </m:e>
+                            <m:sub>
+                              <m:r>
+                                <a:rPr lang="en-US" sz="2000" b="0" i="1" smtClean="0">
+                                  <a:latin typeface="Cambria Math" panose="02040503050406030204" pitchFamily="18" charset="0"/>
+                                </a:rPr>
+                                <m:t>𝑘</m:t>
+                              </m:r>
+                            </m:sub>
+                          </m:sSub>
+                          <m:r>
+                            <a:rPr lang="en-US" sz="2000" b="0" i="1" smtClean="0">
+                              <a:latin typeface="Cambria Math" panose="02040503050406030204" pitchFamily="18" charset="0"/>
+                            </a:rPr>
+                            <m:t>𝑁</m:t>
+                          </m:r>
+                          <m:d>
+                            <m:dPr>
+                              <m:ctrlPr>
+                                <a:rPr lang="en-US" sz="2000" b="0" i="1" smtClean="0">
+                                  <a:latin typeface="Cambria Math" panose="02040503050406030204" pitchFamily="18" charset="0"/>
+                                </a:rPr>
+                              </m:ctrlPr>
+                            </m:dPr>
+                            <m:e>
+                              <m:r>
+                                <a:rPr lang="en-US" sz="2000" b="0" i="1" smtClean="0">
+                                  <a:latin typeface="Cambria Math" panose="02040503050406030204" pitchFamily="18" charset="0"/>
+                                </a:rPr>
+                                <m:t>⋅</m:t>
+                              </m:r>
+                            </m:e>
+                            <m:e>
+                              <m:r>
+                                <a:rPr lang="en-US" sz="2000" b="0" i="1" smtClean="0">
+                                  <a:latin typeface="Cambria Math" panose="02040503050406030204" pitchFamily="18" charset="0"/>
+                                </a:rPr>
+                                <m:t>0,</m:t>
+                              </m:r>
+                              <m:sSubSup>
+                                <m:sSubSupPr>
+                                  <m:ctrlPr>
+                                    <a:rPr lang="en-US" sz="2000" b="0" i="1" smtClean="0">
+                                      <a:latin typeface="Cambria Math" panose="02040503050406030204" pitchFamily="18" charset="0"/>
+                                    </a:rPr>
+                                  </m:ctrlPr>
+                                </m:sSubSupPr>
+                                <m:e>
+                                  <m:r>
+                                    <a:rPr lang="en-US" sz="2000" b="0" i="1" smtClean="0">
+                                      <a:latin typeface="Cambria Math" panose="02040503050406030204" pitchFamily="18" charset="0"/>
+                                    </a:rPr>
+                                    <m:t>𝜎</m:t>
+                                  </m:r>
+                                </m:e>
+                                <m:sub>
+                                  <m:r>
+                                    <a:rPr lang="en-US" sz="2000" b="0" i="1" smtClean="0">
+                                      <a:latin typeface="Cambria Math" panose="02040503050406030204" pitchFamily="18" charset="0"/>
+                                    </a:rPr>
+                                    <m:t>𝑘</m:t>
+                                  </m:r>
+                                </m:sub>
+                                <m:sup>
+                                  <m:r>
+                                    <a:rPr lang="en-US" sz="2000" b="0" i="1" smtClean="0">
+                                      <a:latin typeface="Cambria Math" panose="02040503050406030204" pitchFamily="18" charset="0"/>
+                                    </a:rPr>
+                                    <m:t>2</m:t>
+                                  </m:r>
+                                </m:sup>
+                              </m:sSubSup>
+                            </m:e>
+                          </m:d>
+                        </m:e>
+                      </m:nary>
+                    </m:oMath>
+                    <m:oMath xmlns:m="http://schemas.openxmlformats.org/officeDocument/2006/math">
+                      <m:r>
+                        <a:rPr lang="en-US" sz="2000" b="0" i="1" smtClean="0">
+                          <a:latin typeface="Cambria Math" panose="02040503050406030204" pitchFamily="18" charset="0"/>
+                        </a:rPr>
+                        <m:t>ℙ</m:t>
+                      </m:r>
+                      <m:d>
+                        <m:dPr>
+                          <m:ctrlPr>
+                            <a:rPr lang="en-US" sz="2000" b="0" i="1" smtClean="0">
+                              <a:latin typeface="Cambria Math" panose="02040503050406030204" pitchFamily="18" charset="0"/>
+                            </a:rPr>
+                          </m:ctrlPr>
+                        </m:dPr>
+                        <m:e>
+                          <m:acc>
+                            <m:accPr>
+                              <m:chr m:val="̂"/>
+                              <m:ctrlPr>
+                                <a:rPr lang="en-US" sz="2000" b="0" i="1" smtClean="0">
+                                  <a:latin typeface="Cambria Math" panose="02040503050406030204" pitchFamily="18" charset="0"/>
+                                </a:rPr>
+                              </m:ctrlPr>
+                            </m:accPr>
+                            <m:e>
+                              <m:r>
+                                <a:rPr lang="en-US" sz="2000" b="0" i="1" smtClean="0">
+                                  <a:latin typeface="Cambria Math" panose="02040503050406030204" pitchFamily="18" charset="0"/>
+                                </a:rPr>
+                                <m:t>𝛽</m:t>
+                              </m:r>
+                            </m:e>
+                          </m:acc>
+                        </m:e>
+                        <m:e>
+                          <m:r>
+                            <a:rPr lang="en-US" sz="2000" b="0" i="1" smtClean="0">
+                              <a:latin typeface="Cambria Math" panose="02040503050406030204" pitchFamily="18" charset="0"/>
+                            </a:rPr>
+                            <m:t>𝛽</m:t>
+                          </m:r>
+                          <m:r>
+                            <a:rPr lang="en-US" sz="2000" b="0" i="1" smtClean="0">
+                              <a:latin typeface="Cambria Math" panose="02040503050406030204" pitchFamily="18" charset="0"/>
+                            </a:rPr>
+                            <m:t>,</m:t>
+                          </m:r>
+                          <m:acc>
+                            <m:accPr>
+                              <m:chr m:val="̂"/>
+                              <m:ctrlPr>
+                                <a:rPr lang="en-US" sz="2000" b="0" i="1" smtClean="0">
+                                  <a:latin typeface="Cambria Math" panose="02040503050406030204" pitchFamily="18" charset="0"/>
+                                </a:rPr>
+                              </m:ctrlPr>
+                            </m:accPr>
+                            <m:e>
+                              <m:r>
+                                <a:rPr lang="en-US" sz="2000" b="0" i="1" smtClean="0">
+                                  <a:latin typeface="Cambria Math" panose="02040503050406030204" pitchFamily="18" charset="0"/>
+                                </a:rPr>
+                                <m:t>𝑠</m:t>
+                              </m:r>
+                            </m:e>
+                          </m:acc>
+                        </m:e>
+                      </m:d>
+                      <m:r>
+                        <a:rPr lang="en-US" sz="2000" b="0" i="1" smtClean="0">
+                          <a:latin typeface="Cambria Math" panose="02040503050406030204" pitchFamily="18" charset="0"/>
+                        </a:rPr>
+                        <m:t>=</m:t>
+                      </m:r>
+                      <m:nary>
+                        <m:naryPr>
+                          <m:chr m:val="∏"/>
+                          <m:supHide m:val="on"/>
+                          <m:ctrlPr>
+                            <a:rPr lang="en-US" sz="2000" b="0" i="1" smtClean="0">
+                              <a:latin typeface="Cambria Math" panose="02040503050406030204" pitchFamily="18" charset="0"/>
+                            </a:rPr>
+                          </m:ctrlPr>
+                        </m:naryPr>
+                        <m:sub>
+                          <m:r>
+                            <a:rPr lang="en-US" sz="2000" b="0" i="1" smtClean="0">
+                              <a:latin typeface="Cambria Math" panose="02040503050406030204" pitchFamily="18" charset="0"/>
+                            </a:rPr>
+                            <m:t>𝑗</m:t>
+                          </m:r>
+                        </m:sub>
+                        <m:sup/>
+                        <m:e>
+                          <m:r>
+                            <a:rPr lang="en-US" sz="2000" b="0" i="1" smtClean="0">
+                              <a:latin typeface="Cambria Math" panose="02040503050406030204" pitchFamily="18" charset="0"/>
+                            </a:rPr>
+                            <m:t>𝑁</m:t>
+                          </m:r>
+                          <m:d>
+                            <m:dPr>
+                              <m:ctrlPr>
+                                <a:rPr lang="en-US" sz="2000" b="0" i="1" smtClean="0">
+                                  <a:latin typeface="Cambria Math" panose="02040503050406030204" pitchFamily="18" charset="0"/>
+                                </a:rPr>
+                              </m:ctrlPr>
+                            </m:dPr>
+                            <m:e>
+                              <m:sSub>
+                                <m:sSubPr>
+                                  <m:ctrlPr>
+                                    <a:rPr lang="en-US" sz="2000" b="0" i="1" smtClean="0">
+                                      <a:latin typeface="Cambria Math" panose="02040503050406030204" pitchFamily="18" charset="0"/>
+                                    </a:rPr>
+                                  </m:ctrlPr>
+                                </m:sSubPr>
+                                <m:e>
+                                  <m:acc>
+                                    <m:accPr>
+                                      <m:chr m:val="̂"/>
+                                      <m:ctrlPr>
+                                        <a:rPr lang="en-US" sz="2000" b="0" i="1" smtClean="0">
+                                          <a:latin typeface="Cambria Math" panose="02040503050406030204" pitchFamily="18" charset="0"/>
+                                        </a:rPr>
+                                      </m:ctrlPr>
+                                    </m:accPr>
+                                    <m:e>
+                                      <m:r>
+                                        <a:rPr lang="en-US" sz="2000" b="0" i="1" smtClean="0">
+                                          <a:latin typeface="Cambria Math" panose="02040503050406030204" pitchFamily="18" charset="0"/>
+                                        </a:rPr>
+                                        <m:t>𝛽</m:t>
+                                      </m:r>
+                                    </m:e>
+                                  </m:acc>
+                                </m:e>
+                                <m:sub>
+                                  <m:r>
+                                    <a:rPr lang="en-US" sz="2000" b="0" i="1" smtClean="0">
+                                      <a:latin typeface="Cambria Math" panose="02040503050406030204" pitchFamily="18" charset="0"/>
+                                    </a:rPr>
+                                    <m:t>𝑗</m:t>
+                                  </m:r>
+                                </m:sub>
+                              </m:sSub>
+                            </m:e>
+                            <m:e>
+                              <m:sSub>
+                                <m:sSubPr>
+                                  <m:ctrlPr>
+                                    <a:rPr lang="en-US" sz="2000" b="0" i="1" smtClean="0">
+                                      <a:latin typeface="Cambria Math" panose="02040503050406030204" pitchFamily="18" charset="0"/>
+                                    </a:rPr>
+                                  </m:ctrlPr>
+                                </m:sSubPr>
+                                <m:e>
+                                  <m:r>
+                                    <a:rPr lang="en-US" sz="2000" b="0" i="1" smtClean="0">
+                                      <a:latin typeface="Cambria Math" panose="02040503050406030204" pitchFamily="18" charset="0"/>
+                                    </a:rPr>
+                                    <m:t>𝛽</m:t>
+                                  </m:r>
+                                </m:e>
+                                <m:sub>
+                                  <m:r>
+                                    <a:rPr lang="en-US" sz="2000" b="0" i="1" smtClean="0">
+                                      <a:latin typeface="Cambria Math" panose="02040503050406030204" pitchFamily="18" charset="0"/>
+                                    </a:rPr>
+                                    <m:t>𝑗</m:t>
+                                  </m:r>
+                                </m:sub>
+                              </m:sSub>
+                              <m:r>
+                                <a:rPr lang="en-US" sz="2000" b="0" i="1" smtClean="0">
+                                  <a:latin typeface="Cambria Math" panose="02040503050406030204" pitchFamily="18" charset="0"/>
+                                </a:rPr>
+                                <m:t>,</m:t>
+                              </m:r>
+                              <m:sSubSup>
+                                <m:sSubSupPr>
+                                  <m:ctrlPr>
+                                    <a:rPr lang="en-US" sz="2000" b="0" i="1" smtClean="0">
+                                      <a:latin typeface="Cambria Math" panose="02040503050406030204" pitchFamily="18" charset="0"/>
+                                    </a:rPr>
+                                  </m:ctrlPr>
+                                </m:sSubSupPr>
+                                <m:e>
+                                  <m:acc>
+                                    <m:accPr>
+                                      <m:chr m:val="̂"/>
+                                      <m:ctrlPr>
+                                        <a:rPr lang="en-US" sz="2000" b="0" i="1" smtClean="0">
+                                          <a:latin typeface="Cambria Math" panose="02040503050406030204" pitchFamily="18" charset="0"/>
+                                        </a:rPr>
+                                      </m:ctrlPr>
+                                    </m:accPr>
+                                    <m:e>
+                                      <m:r>
+                                        <a:rPr lang="en-US" sz="2000" b="0" i="1" smtClean="0">
+                                          <a:latin typeface="Cambria Math" panose="02040503050406030204" pitchFamily="18" charset="0"/>
+                                        </a:rPr>
+                                        <m:t>𝑠</m:t>
+                                      </m:r>
+                                    </m:e>
+                                  </m:acc>
+                                </m:e>
+                                <m:sub>
+                                  <m:r>
+                                    <a:rPr lang="en-US" sz="2000" b="0" i="1" smtClean="0">
+                                      <a:latin typeface="Cambria Math" panose="02040503050406030204" pitchFamily="18" charset="0"/>
+                                    </a:rPr>
+                                    <m:t>𝑗</m:t>
+                                  </m:r>
+                                </m:sub>
+                                <m:sup>
+                                  <m:r>
+                                    <a:rPr lang="en-US" sz="2000" b="0" i="1" smtClean="0">
+                                      <a:latin typeface="Cambria Math" panose="02040503050406030204" pitchFamily="18" charset="0"/>
+                                    </a:rPr>
+                                    <m:t>2</m:t>
+                                  </m:r>
+                                </m:sup>
+                              </m:sSubSup>
+                            </m:e>
+                          </m:d>
+                        </m:e>
+                      </m:nary>
+                    </m:oMath>
+                  </m:oMathPara>
+                </a14:m>
+                <a:endParaRPr lang="en-US" sz="2000" dirty="0"/>
+              </a:p>
+            </p:txBody>
+          </p:sp>
+        </mc:Choice>
+        <mc:Fallback xmlns="">
+          <p:sp>
+            <p:nvSpPr>
+              <p:cNvPr id="3" name="Content Placeholder 2">
+                <a:extLst>
+                  <a:ext uri="{FF2B5EF4-FFF2-40B4-BE49-F238E27FC236}">
+                    <a16:creationId xmlns:a16="http://schemas.microsoft.com/office/drawing/2014/main" id="{F10F01B7-0E10-7AFC-DE91-FBC60D4FAEA1}"/>
+                  </a:ext>
+                </a:extLst>
+              </p:cNvPr>
+              <p:cNvSpPr>
+                <a:spLocks noGrp="1" noRot="1" noChangeAspect="1" noMove="1" noResize="1" noEditPoints="1" noAdjustHandles="1" noChangeArrowheads="1" noChangeShapeType="1" noTextEdit="1"/>
+              </p:cNvSpPr>
+              <p:nvPr>
+                <p:ph idx="1"/>
+              </p:nvPr>
+            </p:nvSpPr>
+            <p:spPr>
+              <a:blipFill>
+                <a:blip r:embed="rId2"/>
+                <a:stretch>
+                  <a:fillRect l="-520" t="-1160" b="-17865"/>
+                </a:stretch>
+              </a:blipFill>
+            </p:spPr>
+            <p:txBody>
+              <a:bodyPr/>
+              <a:lstStyle/>
+              <a:p>
+                <a:r>
+                  <a:rPr lang="en-US">
+                    <a:noFill/>
+                  </a:rPr>
+                  <a:t> </a:t>
+                </a:r>
+              </a:p>
+            </p:txBody>
+          </p:sp>
+        </mc:Fallback>
+      </mc:AlternateContent>
+      <p:sp>
+        <p:nvSpPr>
+          <p:cNvPr id="4" name="Date Placeholder 3">
+            <a:extLst>
+              <a:ext uri="{FF2B5EF4-FFF2-40B4-BE49-F238E27FC236}">
+                <a16:creationId xmlns:a16="http://schemas.microsoft.com/office/drawing/2014/main" id="{56C342CD-1F0C-B11B-A7FE-247B77E3B489}"/>
+              </a:ext>
+            </a:extLst>
+          </p:cNvPr>
+          <p:cNvSpPr>
+            <a:spLocks noGrp="1"/>
+          </p:cNvSpPr>
+          <p:nvPr>
+            <p:ph type="dt" sz="half" idx="10"/>
+          </p:nvPr>
+        </p:nvSpPr>
+        <p:spPr/>
+        <p:txBody>
+          <a:bodyPr/>
+          <a:lstStyle/>
+          <a:p>
+            <a:fld id="{C341F050-1748-B641-BEF7-F0B05D683DF2}" type="datetime1">
+              <a:rPr lang="en-US" smtClean="0"/>
+              <a:t>7/16/25</a:t>
+            </a:fld>
+            <a:endParaRPr lang="en-US"/>
+          </a:p>
+        </p:txBody>
+      </p:sp>
+      <p:sp>
+        <p:nvSpPr>
+          <p:cNvPr id="5" name="Footer Placeholder 4">
+            <a:extLst>
+              <a:ext uri="{FF2B5EF4-FFF2-40B4-BE49-F238E27FC236}">
+                <a16:creationId xmlns:a16="http://schemas.microsoft.com/office/drawing/2014/main" id="{2AC525DA-29CD-9592-C528-0109DB5311B0}"/>
+              </a:ext>
+            </a:extLst>
+          </p:cNvPr>
+          <p:cNvSpPr>
+            <a:spLocks noGrp="1"/>
+          </p:cNvSpPr>
+          <p:nvPr>
+            <p:ph type="ftr" sz="quarter" idx="11"/>
+          </p:nvPr>
+        </p:nvSpPr>
+        <p:spPr/>
+        <p:txBody>
+          <a:bodyPr/>
+          <a:lstStyle/>
+          <a:p>
+            <a:r>
+              <a:rPr lang="en-US"/>
+              <a:t>Jared Brown · Postdoctoral research fellow · DFCI Lab of Rafael Irizarry jbrown@ds.dfci.harvard.edu · github.com/JBrownBiostat</a:t>
+            </a:r>
+          </a:p>
+        </p:txBody>
+      </p:sp>
+      <p:sp>
+        <p:nvSpPr>
+          <p:cNvPr id="6" name="Slide Number Placeholder 5">
+            <a:extLst>
+              <a:ext uri="{FF2B5EF4-FFF2-40B4-BE49-F238E27FC236}">
+                <a16:creationId xmlns:a16="http://schemas.microsoft.com/office/drawing/2014/main" id="{4822EEC0-84EE-A41F-48ED-CAFB13F32E1D}"/>
+              </a:ext>
+            </a:extLst>
+          </p:cNvPr>
+          <p:cNvSpPr>
+            <a:spLocks noGrp="1"/>
+          </p:cNvSpPr>
+          <p:nvPr>
+            <p:ph type="sldNum" sz="quarter" idx="12"/>
+          </p:nvPr>
+        </p:nvSpPr>
+        <p:spPr/>
+        <p:txBody>
+          <a:bodyPr/>
+          <a:lstStyle/>
+          <a:p>
+            <a:fld id="{2C8BF43B-81B9-DD48-8FF8-6AE31485DC69}" type="slidenum">
+              <a:rPr lang="en-US" smtClean="0"/>
+              <a:t>24</a:t>
+            </a:fld>
+            <a:endParaRPr lang="en-US"/>
+          </a:p>
+        </p:txBody>
+      </p:sp>
+    </p:spTree>
+    <p:extLst>
+      <p:ext uri="{BB962C8B-B14F-4D97-AF65-F5344CB8AC3E}">
+        <p14:creationId xmlns:p14="http://schemas.microsoft.com/office/powerpoint/2010/main" val="3005760067"/>
+      </p:ext>
+    </p:extLst>
+  </p:cSld>
+  <p:clrMapOvr>
+    <a:masterClrMapping/>
+  </p:clrMapOvr>
+</p:sld>
+</file>
+
+<file path=ppt/slides/slide26.xml><?xml version="1.0" encoding="utf-8"?>
+<p:sld xmlns:a="http://schemas.openxmlformats.org/drawingml/2006/main" xmlns:r="http://schemas.openxmlformats.org/officeDocument/2006/relationships" xmlns:p="http://schemas.openxmlformats.org/presentationml/2006/main">
+  <p:cSld>
+    <p:spTree>
+      <p:nvGrpSpPr>
+        <p:cNvPr id="1" name=""/>
+        <p:cNvGrpSpPr/>
+        <p:nvPr/>
+      </p:nvGrpSpPr>
+      <p:grpSpPr>
+        <a:xfrm>
+          <a:off x="0" y="0"/>
+          <a:ext cx="0" cy="0"/>
+          <a:chOff x="0" y="0"/>
+          <a:chExt cx="0" cy="0"/>
+        </a:xfrm>
+      </p:grpSpPr>
+      <p:sp>
+        <p:nvSpPr>
+          <p:cNvPr id="2" name="Title 1">
+            <a:extLst>
+              <a:ext uri="{FF2B5EF4-FFF2-40B4-BE49-F238E27FC236}">
                 <a16:creationId xmlns:a16="http://schemas.microsoft.com/office/drawing/2014/main" id="{60109DF8-98D8-12F1-2994-B823521F0D09}"/>
               </a:ext>
             </a:extLst>
@@ -15873,7 +17319,7 @@
           <a:p>
             <a:fld id="{C341F050-1748-B641-BEF7-F0B05D683DF2}" type="datetime1">
               <a:rPr lang="en-US" smtClean="0"/>
-              <a:t>7/15/25</a:t>
+              <a:t>7/16/25</a:t>
             </a:fld>
             <a:endParaRPr lang="en-US"/>
           </a:p>
@@ -15930,7 +17376,7 @@
           <a:p>
             <a:fld id="{2C8BF43B-81B9-DD48-8FF8-6AE31485DC69}" type="slidenum">
               <a:rPr lang="en-US" smtClean="0"/>
-              <a:t>24</a:t>
+              <a:t>25</a:t>
             </a:fld>
             <a:endParaRPr lang="en-US"/>
           </a:p>
@@ -15949,7 +17395,7 @@
 </p:sld>
 </file>
 
-<file path=ppt/slides/slide26.xml><?xml version="1.0" encoding="utf-8"?>
+<file path=ppt/slides/slide27.xml><?xml version="1.0" encoding="utf-8"?>
 <p:sld xmlns:a="http://schemas.openxmlformats.org/drawingml/2006/main" xmlns:r="http://schemas.openxmlformats.org/officeDocument/2006/relationships" xmlns:p="http://schemas.openxmlformats.org/presentationml/2006/main">
   <p:cSld>
     <p:spTree>
@@ -16136,7 +17582,7 @@
           <a:p>
             <a:fld id="{C341F050-1748-B641-BEF7-F0B05D683DF2}" type="datetime1">
               <a:rPr lang="en-US" smtClean="0"/>
-              <a:t>7/15/25</a:t>
+              <a:t>7/16/25</a:t>
             </a:fld>
             <a:endParaRPr lang="en-US"/>
           </a:p>
@@ -16193,7 +17639,7 @@
           <a:p>
             <a:fld id="{2C8BF43B-81B9-DD48-8FF8-6AE31485DC69}" type="slidenum">
               <a:rPr lang="en-US" smtClean="0"/>
-              <a:t>25</a:t>
+              <a:t>26</a:t>
             </a:fld>
             <a:endParaRPr lang="en-US"/>
           </a:p>
@@ -16212,7 +17658,7 @@
 </p:sld>
 </file>
 
-<file path=ppt/slides/slide27.xml><?xml version="1.0" encoding="utf-8"?>
+<file path=ppt/slides/slide28.xml><?xml version="1.0" encoding="utf-8"?>
 <p:sld xmlns:a="http://schemas.openxmlformats.org/drawingml/2006/main" xmlns:r="http://schemas.openxmlformats.org/officeDocument/2006/relationships" xmlns:p="http://schemas.openxmlformats.org/presentationml/2006/main">
   <p:cSld>
     <p:spTree>
@@ -16388,7 +17834,7 @@
           <a:p>
             <a:fld id="{2C8BF43B-81B9-DD48-8FF8-6AE31485DC69}" type="slidenum">
               <a:rPr lang="en-US" smtClean="0"/>
-              <a:t>26</a:t>
+              <a:t>27</a:t>
             </a:fld>
             <a:endParaRPr lang="en-US"/>
           </a:p>
@@ -16594,7 +18040,7 @@
           <a:p>
             <a:fld id="{C341F050-1748-B641-BEF7-F0B05D683DF2}" type="datetime1">
               <a:rPr lang="en-US" smtClean="0"/>
-              <a:t>7/15/25</a:t>
+              <a:t>7/16/25</a:t>
             </a:fld>
             <a:endParaRPr lang="en-US"/>
           </a:p>
@@ -16917,7 +18363,7 @@
           <a:p>
             <a:fld id="{C341F050-1748-B641-BEF7-F0B05D683DF2}" type="datetime1">
               <a:rPr lang="en-US" smtClean="0"/>
-              <a:t>7/15/25</a:t>
+              <a:t>7/16/25</a:t>
             </a:fld>
             <a:endParaRPr lang="en-US"/>
           </a:p>
@@ -18416,7 +19862,7 @@
           <a:p>
             <a:fld id="{C341F050-1748-B641-BEF7-F0B05D683DF2}" type="datetime1">
               <a:rPr lang="en-US" smtClean="0"/>
-              <a:t>7/15/25</a:t>
+              <a:t>7/16/25</a:t>
             </a:fld>
             <a:endParaRPr lang="en-US"/>
           </a:p>
@@ -18537,8 +19983,8 @@
           </a:p>
         </p:txBody>
       </p:sp>
-      <mc:AlternateContent xmlns:mc="http://schemas.openxmlformats.org/markup-compatibility/2006">
-        <mc:Choice xmlns:a14="http://schemas.microsoft.com/office/drawing/2010/main" Requires="a14">
+      <mc:AlternateContent xmlns:mc="http://schemas.openxmlformats.org/markup-compatibility/2006" xmlns:a14="http://schemas.microsoft.com/office/drawing/2010/main">
+        <mc:Choice Requires="a14">
           <p:sp>
             <p:nvSpPr>
               <p:cNvPr id="3" name="Content Placeholder 2">
@@ -18660,7 +20106,7 @@
             </p:txBody>
           </p:sp>
         </mc:Choice>
-        <mc:Fallback>
+        <mc:Fallback xmlns="">
           <p:sp>
             <p:nvSpPr>
               <p:cNvPr id="3" name="Content Placeholder 2">
@@ -18727,7 +20173,7 @@
           <a:p>
             <a:fld id="{C341F050-1748-B641-BEF7-F0B05D683DF2}" type="datetime1">
               <a:rPr lang="en-US" smtClean="0"/>
-              <a:t>7/15/25</a:t>
+              <a:t>7/16/25</a:t>
             </a:fld>
             <a:endParaRPr lang="en-US"/>
           </a:p>
@@ -19463,7 +20909,7 @@
           <a:p>
             <a:fld id="{C341F050-1748-B641-BEF7-F0B05D683DF2}" type="datetime1">
               <a:rPr lang="en-US" smtClean="0"/>
-              <a:t>7/15/25</a:t>
+              <a:t>7/16/25</a:t>
             </a:fld>
             <a:endParaRPr lang="en-US"/>
           </a:p>
@@ -20175,7 +21621,7 @@
           <a:p>
             <a:fld id="{C341F050-1748-B641-BEF7-F0B05D683DF2}" type="datetime1">
               <a:rPr lang="en-US" smtClean="0"/>
-              <a:t>7/15/25</a:t>
+              <a:t>7/16/25</a:t>
             </a:fld>
             <a:endParaRPr lang="en-US"/>
           </a:p>
@@ -20296,8 +21742,8 @@
           </a:p>
         </p:txBody>
       </p:sp>
-      <mc:AlternateContent xmlns:mc="http://schemas.openxmlformats.org/markup-compatibility/2006">
-        <mc:Choice xmlns:a14="http://schemas.microsoft.com/office/drawing/2010/main" Requires="a14">
+      <mc:AlternateContent xmlns:mc="http://schemas.openxmlformats.org/markup-compatibility/2006" xmlns:a14="http://schemas.microsoft.com/office/drawing/2010/main">
+        <mc:Choice Requires="a14">
           <p:sp>
             <p:nvSpPr>
               <p:cNvPr id="3" name="Content Placeholder 2">
@@ -21204,7 +22650,7 @@
             </p:txBody>
           </p:sp>
         </mc:Choice>
-        <mc:Fallback>
+        <mc:Fallback xmlns="">
           <p:sp>
             <p:nvSpPr>
               <p:cNvPr id="3" name="Content Placeholder 2">
@@ -21267,7 +22713,7 @@
           <a:p>
             <a:fld id="{C341F050-1748-B641-BEF7-F0B05D683DF2}" type="datetime1">
               <a:rPr lang="en-US" smtClean="0"/>
-              <a:t>7/15/25</a:t>
+              <a:t>7/16/25</a:t>
             </a:fld>
             <a:endParaRPr lang="en-US"/>
           </a:p>
